--- a/images/draw.pptx
+++ b/images/draw.pptx
@@ -7,9 +7,10 @@
   <p:sldIdLst>
     <p:sldId id="256" r:id="rId2"/>
     <p:sldId id="257" r:id="rId3"/>
+    <p:sldId id="258" r:id="rId4"/>
   </p:sldIdLst>
   <p:sldSz cx="12192000" cy="6858000"/>
-  <p:notesSz cx="6858000" cy="9144000"/>
+  <p:notesSz cx="7104063" cy="10234613"/>
   <p:defaultTextStyle>
     <a:defPPr>
       <a:defRPr lang="zh-CN"/>
@@ -271,7 +272,7 @@
           <a:p>
             <a:fld id="{5230AB09-99D3-4E56-ADD6-87FA39D7F25E}" type="datetimeFigureOut">
               <a:rPr lang="zh-CN" altLang="en-US" smtClean="0"/>
-              <a:t>2025/11/14</a:t>
+              <a:t>2026/1/26</a:t>
             </a:fld>
             <a:endParaRPr lang="zh-CN" altLang="en-US"/>
           </a:p>
@@ -469,7 +470,7 @@
           <a:p>
             <a:fld id="{5230AB09-99D3-4E56-ADD6-87FA39D7F25E}" type="datetimeFigureOut">
               <a:rPr lang="zh-CN" altLang="en-US" smtClean="0"/>
-              <a:t>2025/11/14</a:t>
+              <a:t>2026/1/26</a:t>
             </a:fld>
             <a:endParaRPr lang="zh-CN" altLang="en-US"/>
           </a:p>
@@ -677,7 +678,7 @@
           <a:p>
             <a:fld id="{5230AB09-99D3-4E56-ADD6-87FA39D7F25E}" type="datetimeFigureOut">
               <a:rPr lang="zh-CN" altLang="en-US" smtClean="0"/>
-              <a:t>2025/11/14</a:t>
+              <a:t>2026/1/26</a:t>
             </a:fld>
             <a:endParaRPr lang="zh-CN" altLang="en-US"/>
           </a:p>
@@ -875,7 +876,7 @@
           <a:p>
             <a:fld id="{5230AB09-99D3-4E56-ADD6-87FA39D7F25E}" type="datetimeFigureOut">
               <a:rPr lang="zh-CN" altLang="en-US" smtClean="0"/>
-              <a:t>2025/11/14</a:t>
+              <a:t>2026/1/26</a:t>
             </a:fld>
             <a:endParaRPr lang="zh-CN" altLang="en-US"/>
           </a:p>
@@ -1150,7 +1151,7 @@
           <a:p>
             <a:fld id="{5230AB09-99D3-4E56-ADD6-87FA39D7F25E}" type="datetimeFigureOut">
               <a:rPr lang="zh-CN" altLang="en-US" smtClean="0"/>
-              <a:t>2025/11/14</a:t>
+              <a:t>2026/1/26</a:t>
             </a:fld>
             <a:endParaRPr lang="zh-CN" altLang="en-US"/>
           </a:p>
@@ -1415,7 +1416,7 @@
           <a:p>
             <a:fld id="{5230AB09-99D3-4E56-ADD6-87FA39D7F25E}" type="datetimeFigureOut">
               <a:rPr lang="zh-CN" altLang="en-US" smtClean="0"/>
-              <a:t>2025/11/14</a:t>
+              <a:t>2026/1/26</a:t>
             </a:fld>
             <a:endParaRPr lang="zh-CN" altLang="en-US"/>
           </a:p>
@@ -1827,7 +1828,7 @@
           <a:p>
             <a:fld id="{5230AB09-99D3-4E56-ADD6-87FA39D7F25E}" type="datetimeFigureOut">
               <a:rPr lang="zh-CN" altLang="en-US" smtClean="0"/>
-              <a:t>2025/11/14</a:t>
+              <a:t>2026/1/26</a:t>
             </a:fld>
             <a:endParaRPr lang="zh-CN" altLang="en-US"/>
           </a:p>
@@ -1968,7 +1969,7 @@
           <a:p>
             <a:fld id="{5230AB09-99D3-4E56-ADD6-87FA39D7F25E}" type="datetimeFigureOut">
               <a:rPr lang="zh-CN" altLang="en-US" smtClean="0"/>
-              <a:t>2025/11/14</a:t>
+              <a:t>2026/1/26</a:t>
             </a:fld>
             <a:endParaRPr lang="zh-CN" altLang="en-US"/>
           </a:p>
@@ -2081,7 +2082,7 @@
           <a:p>
             <a:fld id="{5230AB09-99D3-4E56-ADD6-87FA39D7F25E}" type="datetimeFigureOut">
               <a:rPr lang="zh-CN" altLang="en-US" smtClean="0"/>
-              <a:t>2025/11/14</a:t>
+              <a:t>2026/1/26</a:t>
             </a:fld>
             <a:endParaRPr lang="zh-CN" altLang="en-US"/>
           </a:p>
@@ -2392,7 +2393,7 @@
           <a:p>
             <a:fld id="{5230AB09-99D3-4E56-ADD6-87FA39D7F25E}" type="datetimeFigureOut">
               <a:rPr lang="zh-CN" altLang="en-US" smtClean="0"/>
-              <a:t>2025/11/14</a:t>
+              <a:t>2026/1/26</a:t>
             </a:fld>
             <a:endParaRPr lang="zh-CN" altLang="en-US"/>
           </a:p>
@@ -2680,7 +2681,7 @@
           <a:p>
             <a:fld id="{5230AB09-99D3-4E56-ADD6-87FA39D7F25E}" type="datetimeFigureOut">
               <a:rPr lang="zh-CN" altLang="en-US" smtClean="0"/>
-              <a:t>2025/11/14</a:t>
+              <a:t>2026/1/26</a:t>
             </a:fld>
             <a:endParaRPr lang="zh-CN" altLang="en-US"/>
           </a:p>
@@ -2921,7 +2922,7 @@
           <a:p>
             <a:fld id="{5230AB09-99D3-4E56-ADD6-87FA39D7F25E}" type="datetimeFigureOut">
               <a:rPr lang="zh-CN" altLang="en-US" smtClean="0"/>
-              <a:t>2025/11/14</a:t>
+              <a:t>2026/1/26</a:t>
             </a:fld>
             <a:endParaRPr lang="zh-CN" altLang="en-US"/>
           </a:p>
@@ -3598,6 +3599,168 @@
 </p:sld>
 </file>
 
+<file path=ppt/slides/slide3.xml><?xml version="1.0" encoding="utf-8"?>
+<p:sld xmlns:a="http://schemas.openxmlformats.org/drawingml/2006/main" xmlns:r="http://schemas.openxmlformats.org/officeDocument/2006/relationships" xmlns:p="http://schemas.openxmlformats.org/presentationml/2006/main">
+  <p:cSld>
+    <p:spTree>
+      <p:nvGrpSpPr>
+        <p:cNvPr id="1" name="">
+          <a:extLst>
+            <a:ext uri="{FF2B5EF4-FFF2-40B4-BE49-F238E27FC236}">
+              <a16:creationId xmlns:a16="http://schemas.microsoft.com/office/drawing/2014/main" id="{18174683-C4E3-E745-2719-1FBB169732F7}"/>
+            </a:ext>
+          </a:extLst>
+        </p:cNvPr>
+        <p:cNvGrpSpPr/>
+        <p:nvPr/>
+      </p:nvGrpSpPr>
+      <p:grpSpPr>
+        <a:xfrm>
+          <a:off x="0" y="0"/>
+          <a:ext cx="0" cy="0"/>
+          <a:chOff x="0" y="0"/>
+          <a:chExt cx="0" cy="0"/>
+        </a:xfrm>
+      </p:grpSpPr>
+      <p:pic>
+        <p:nvPicPr>
+          <p:cNvPr id="15" name="图片 14">
+            <a:extLst>
+              <a:ext uri="{FF2B5EF4-FFF2-40B4-BE49-F238E27FC236}">
+                <a16:creationId xmlns:a16="http://schemas.microsoft.com/office/drawing/2014/main" id="{CB749D31-A6BF-E9A1-EF26-6DD4341AD280}"/>
+              </a:ext>
+            </a:extLst>
+          </p:cNvPr>
+          <p:cNvPicPr>
+            <a:picLocks noChangeAspect="1"/>
+          </p:cNvPicPr>
+          <p:nvPr/>
+        </p:nvPicPr>
+        <p:blipFill>
+          <a:blip r:embed="rId2">
+            <a:extLst>
+              <a:ext uri="{28A0092B-C50C-407E-A947-70E740481C1C}">
+                <a14:useLocalDpi xmlns:a14="http://schemas.microsoft.com/office/drawing/2010/main" val="0"/>
+              </a:ext>
+            </a:extLst>
+          </a:blip>
+          <a:srcRect/>
+          <a:stretch/>
+        </p:blipFill>
+        <p:spPr>
+          <a:xfrm>
+            <a:off x="1073067" y="3419493"/>
+            <a:ext cx="9342081" cy="2573197"/>
+          </a:xfrm>
+          <a:prstGeom prst="rect">
+            <a:avLst/>
+          </a:prstGeom>
+        </p:spPr>
+      </p:pic>
+      <p:pic>
+        <p:nvPicPr>
+          <p:cNvPr id="3" name="图片 2" descr="图示&#10;&#10;AI 生成的内容可能不正确。">
+            <a:extLst>
+              <a:ext uri="{FF2B5EF4-FFF2-40B4-BE49-F238E27FC236}">
+                <a16:creationId xmlns:a16="http://schemas.microsoft.com/office/drawing/2014/main" id="{E21E9191-3350-CBD8-F695-A7A2B1B3818B}"/>
+              </a:ext>
+            </a:extLst>
+          </p:cNvPr>
+          <p:cNvPicPr>
+            <a:picLocks noChangeAspect="1"/>
+          </p:cNvPicPr>
+          <p:nvPr/>
+        </p:nvPicPr>
+        <p:blipFill>
+          <a:blip r:embed="rId3"/>
+          <a:srcRect t="4532" b="-1"/>
+          <a:stretch>
+            <a:fillRect/>
+          </a:stretch>
+        </p:blipFill>
+        <p:spPr>
+          <a:xfrm>
+            <a:off x="1160153" y="891567"/>
+            <a:ext cx="6260122" cy="1263963"/>
+          </a:xfrm>
+          <a:prstGeom prst="rect">
+            <a:avLst/>
+          </a:prstGeom>
+        </p:spPr>
+      </p:pic>
+      <p:pic>
+        <p:nvPicPr>
+          <p:cNvPr id="7" name="图片 6" descr="图示&#10;&#10;AI 生成的内容可能不正确。">
+            <a:extLst>
+              <a:ext uri="{FF2B5EF4-FFF2-40B4-BE49-F238E27FC236}">
+                <a16:creationId xmlns:a16="http://schemas.microsoft.com/office/drawing/2014/main" id="{0CD468C1-D70B-FDD1-B0EF-C491FEE16516}"/>
+              </a:ext>
+            </a:extLst>
+          </p:cNvPr>
+          <p:cNvPicPr>
+            <a:picLocks noChangeAspect="1"/>
+          </p:cNvPicPr>
+          <p:nvPr/>
+        </p:nvPicPr>
+        <p:blipFill>
+          <a:blip r:embed="rId4"/>
+          <a:stretch>
+            <a:fillRect/>
+          </a:stretch>
+        </p:blipFill>
+        <p:spPr>
+          <a:xfrm>
+            <a:off x="1160153" y="2190366"/>
+            <a:ext cx="5623824" cy="1120510"/>
+          </a:xfrm>
+          <a:prstGeom prst="rect">
+            <a:avLst/>
+          </a:prstGeom>
+        </p:spPr>
+      </p:pic>
+      <p:pic>
+        <p:nvPicPr>
+          <p:cNvPr id="10" name="图片 9" descr="图示, 示意图&#10;&#10;AI 生成的内容可能不正确。">
+            <a:extLst>
+              <a:ext uri="{FF2B5EF4-FFF2-40B4-BE49-F238E27FC236}">
+                <a16:creationId xmlns:a16="http://schemas.microsoft.com/office/drawing/2014/main" id="{F39D5356-056D-38BE-0F1C-4934D17E4F14}"/>
+              </a:ext>
+            </a:extLst>
+          </p:cNvPr>
+          <p:cNvPicPr>
+            <a:picLocks noChangeAspect="1"/>
+          </p:cNvPicPr>
+          <p:nvPr/>
+        </p:nvPicPr>
+        <p:blipFill>
+          <a:blip r:embed="rId5"/>
+          <a:stretch>
+            <a:fillRect/>
+          </a:stretch>
+        </p:blipFill>
+        <p:spPr>
+          <a:xfrm>
+            <a:off x="7469722" y="825137"/>
+            <a:ext cx="2945426" cy="2603863"/>
+          </a:xfrm>
+          <a:prstGeom prst="rect">
+            <a:avLst/>
+          </a:prstGeom>
+        </p:spPr>
+      </p:pic>
+    </p:spTree>
+    <p:extLst>
+      <p:ext uri="{BB962C8B-B14F-4D97-AF65-F5344CB8AC3E}">
+        <p14:creationId xmlns:p14="http://schemas.microsoft.com/office/powerpoint/2010/main" val="2499141369"/>
+      </p:ext>
+    </p:extLst>
+  </p:cSld>
+  <p:clrMapOvr>
+    <a:masterClrMapping/>
+  </p:clrMapOvr>
+</p:sld>
+</file>
+
 <file path=ppt/theme/theme1.xml><?xml version="1.0" encoding="utf-8"?>
 <a:theme xmlns:a="http://schemas.openxmlformats.org/drawingml/2006/main" name="Office 主题​​">
   <a:themeElements>

--- a/images/draw.pptx
+++ b/images/draw.pptx
@@ -272,7 +272,7 @@
           <a:p>
             <a:fld id="{5230AB09-99D3-4E56-ADD6-87FA39D7F25E}" type="datetimeFigureOut">
               <a:rPr lang="zh-CN" altLang="en-US" smtClean="0"/>
-              <a:t>2026/1/26</a:t>
+              <a:t>2026/1/27</a:t>
             </a:fld>
             <a:endParaRPr lang="zh-CN" altLang="en-US"/>
           </a:p>
@@ -470,7 +470,7 @@
           <a:p>
             <a:fld id="{5230AB09-99D3-4E56-ADD6-87FA39D7F25E}" type="datetimeFigureOut">
               <a:rPr lang="zh-CN" altLang="en-US" smtClean="0"/>
-              <a:t>2026/1/26</a:t>
+              <a:t>2026/1/27</a:t>
             </a:fld>
             <a:endParaRPr lang="zh-CN" altLang="en-US"/>
           </a:p>
@@ -678,7 +678,7 @@
           <a:p>
             <a:fld id="{5230AB09-99D3-4E56-ADD6-87FA39D7F25E}" type="datetimeFigureOut">
               <a:rPr lang="zh-CN" altLang="en-US" smtClean="0"/>
-              <a:t>2026/1/26</a:t>
+              <a:t>2026/1/27</a:t>
             </a:fld>
             <a:endParaRPr lang="zh-CN" altLang="en-US"/>
           </a:p>
@@ -876,7 +876,7 @@
           <a:p>
             <a:fld id="{5230AB09-99D3-4E56-ADD6-87FA39D7F25E}" type="datetimeFigureOut">
               <a:rPr lang="zh-CN" altLang="en-US" smtClean="0"/>
-              <a:t>2026/1/26</a:t>
+              <a:t>2026/1/27</a:t>
             </a:fld>
             <a:endParaRPr lang="zh-CN" altLang="en-US"/>
           </a:p>
@@ -1151,7 +1151,7 @@
           <a:p>
             <a:fld id="{5230AB09-99D3-4E56-ADD6-87FA39D7F25E}" type="datetimeFigureOut">
               <a:rPr lang="zh-CN" altLang="en-US" smtClean="0"/>
-              <a:t>2026/1/26</a:t>
+              <a:t>2026/1/27</a:t>
             </a:fld>
             <a:endParaRPr lang="zh-CN" altLang="en-US"/>
           </a:p>
@@ -1416,7 +1416,7 @@
           <a:p>
             <a:fld id="{5230AB09-99D3-4E56-ADD6-87FA39D7F25E}" type="datetimeFigureOut">
               <a:rPr lang="zh-CN" altLang="en-US" smtClean="0"/>
-              <a:t>2026/1/26</a:t>
+              <a:t>2026/1/27</a:t>
             </a:fld>
             <a:endParaRPr lang="zh-CN" altLang="en-US"/>
           </a:p>
@@ -1828,7 +1828,7 @@
           <a:p>
             <a:fld id="{5230AB09-99D3-4E56-ADD6-87FA39D7F25E}" type="datetimeFigureOut">
               <a:rPr lang="zh-CN" altLang="en-US" smtClean="0"/>
-              <a:t>2026/1/26</a:t>
+              <a:t>2026/1/27</a:t>
             </a:fld>
             <a:endParaRPr lang="zh-CN" altLang="en-US"/>
           </a:p>
@@ -1969,7 +1969,7 @@
           <a:p>
             <a:fld id="{5230AB09-99D3-4E56-ADD6-87FA39D7F25E}" type="datetimeFigureOut">
               <a:rPr lang="zh-CN" altLang="en-US" smtClean="0"/>
-              <a:t>2026/1/26</a:t>
+              <a:t>2026/1/27</a:t>
             </a:fld>
             <a:endParaRPr lang="zh-CN" altLang="en-US"/>
           </a:p>
@@ -2082,7 +2082,7 @@
           <a:p>
             <a:fld id="{5230AB09-99D3-4E56-ADD6-87FA39D7F25E}" type="datetimeFigureOut">
               <a:rPr lang="zh-CN" altLang="en-US" smtClean="0"/>
-              <a:t>2026/1/26</a:t>
+              <a:t>2026/1/27</a:t>
             </a:fld>
             <a:endParaRPr lang="zh-CN" altLang="en-US"/>
           </a:p>
@@ -2393,7 +2393,7 @@
           <a:p>
             <a:fld id="{5230AB09-99D3-4E56-ADD6-87FA39D7F25E}" type="datetimeFigureOut">
               <a:rPr lang="zh-CN" altLang="en-US" smtClean="0"/>
-              <a:t>2026/1/26</a:t>
+              <a:t>2026/1/27</a:t>
             </a:fld>
             <a:endParaRPr lang="zh-CN" altLang="en-US"/>
           </a:p>
@@ -2681,7 +2681,7 @@
           <a:p>
             <a:fld id="{5230AB09-99D3-4E56-ADD6-87FA39D7F25E}" type="datetimeFigureOut">
               <a:rPr lang="zh-CN" altLang="en-US" smtClean="0"/>
-              <a:t>2026/1/26</a:t>
+              <a:t>2026/1/27</a:t>
             </a:fld>
             <a:endParaRPr lang="zh-CN" altLang="en-US"/>
           </a:p>
@@ -2922,7 +2922,7 @@
           <a:p>
             <a:fld id="{5230AB09-99D3-4E56-ADD6-87FA39D7F25E}" type="datetimeFigureOut">
               <a:rPr lang="zh-CN" altLang="en-US" smtClean="0"/>
-              <a:t>2026/1/26</a:t>
+              <a:t>2026/1/27</a:t>
             </a:fld>
             <a:endParaRPr lang="zh-CN" altLang="en-US"/>
           </a:p>
@@ -3649,8 +3649,8 @@
         </p:blipFill>
         <p:spPr>
           <a:xfrm>
-            <a:off x="1073067" y="3419493"/>
-            <a:ext cx="9342081" cy="2573197"/>
+            <a:off x="1461901" y="3429000"/>
+            <a:ext cx="8378582" cy="2307809"/>
           </a:xfrm>
           <a:prstGeom prst="rect">
             <a:avLst/>
@@ -3680,8 +3680,8 @@
         </p:blipFill>
         <p:spPr>
           <a:xfrm>
-            <a:off x="1160153" y="891567"/>
-            <a:ext cx="6260122" cy="1263963"/>
+            <a:off x="1190063" y="1121191"/>
+            <a:ext cx="5864490" cy="1184082"/>
           </a:xfrm>
           <a:prstGeom prst="rect">
             <a:avLst/>
@@ -3710,7 +3710,7 @@
         </p:blipFill>
         <p:spPr>
           <a:xfrm>
-            <a:off x="1160153" y="2190366"/>
+            <a:off x="1190063" y="2265761"/>
             <a:ext cx="5623824" cy="1120510"/>
           </a:xfrm>
           <a:prstGeom prst="rect">
@@ -3740,8 +3740,8 @@
         </p:blipFill>
         <p:spPr>
           <a:xfrm>
-            <a:off x="7469722" y="825137"/>
-            <a:ext cx="2945426" cy="2603863"/>
+            <a:off x="7262177" y="939545"/>
+            <a:ext cx="2726593" cy="2410407"/>
           </a:xfrm>
           <a:prstGeom prst="rect">
             <a:avLst/>
